--- a/Project02Eclipse/Hemebiotech.pptx
+++ b/Project02Eclipse/Hemebiotech.pptx
@@ -5245,16 +5245,12 @@
               <a:buNone/>
             </a:pPr>
             <a:r>
-              <a:rPr lang="fr-FR" sz="1600"/>
+              <a:rPr lang="fr-FR" sz="1600" dirty="0"/>
               <a:t>s</a:t>
             </a:r>
             <a:r>
-              <a:rPr lang="fr-FR" sz="1600" smtClean="0"/>
-              <a:t>eule master </a:t>
-            </a:r>
-            <a:r>
-              <a:rPr lang="fr-FR" sz="1600" dirty="0" smtClean="0"/>
-              <a:t>fut effective)</a:t>
+              <a:rPr lang="fr-FR" sz="1600" dirty="0" smtClean="0"/>
+              <a:t>eule master fut effective)</a:t>
             </a:r>
           </a:p>
         </p:txBody>
@@ -5351,8 +5347,13 @@
             </a:pPr>
             <a:r>
               <a:rPr lang="fr-FR" sz="1600" dirty="0" smtClean="0"/>
-              <a:t>J’ai utilisé plusieurs sites qui m’ont aidé à aborder le problème sous un autre œil : </a:t>
-            </a:r>
+              <a:t>J’ai lu plusieurs sites qui m’ont aidé à aborder le problème sous un </a:t>
+            </a:r>
+            <a:r>
+              <a:rPr lang="fr-FR" sz="1600" smtClean="0"/>
+              <a:t>angle différent: </a:t>
+            </a:r>
+            <a:endParaRPr lang="fr-FR" sz="1600" dirty="0" smtClean="0"/>
           </a:p>
           <a:p>
             <a:pPr>
